--- a/reporting/GMS GitHub Modeling Summary Layouts.pptx
+++ b/reporting/GMS GitHub Modeling Summary Layouts.pptx
@@ -128,6 +128,11 @@
       </a:defRPr>
     </a:lvl9pPr>
   </p:defaultTextStyle>
+  <p:extLst>
+    <p:ext uri="{EFAFB233-063F-42B5-8137-9DF3F51BA10A}">
+      <p15:sldGuideLst xmlns:p15="http://schemas.microsoft.com/office/powerpoint/2012/main"/>
+    </p:ext>
+  </p:extLst>
 </p:presentation>
 </file>
 
@@ -213,7 +218,7 @@
           <a:p>
             <a:fld id="{30EC18F4-5B17-40DF-9DE1-871691755494}" type="datetimeFigureOut">
               <a:rPr lang="en-US" smtClean="0"/>
-              <a:t>2/5/2024</a:t>
+              <a:t>2/13/2024</a:t>
             </a:fld>
             <a:endParaRPr lang="en-US"/>
           </a:p>
@@ -2024,7 +2029,7 @@
           <a:p>
             <a:fld id="{803A6DAB-104D-4A34-92C1-982EC081E5FE}" type="datetimeFigureOut">
               <a:rPr lang="en-US" smtClean="0"/>
-              <a:t>2/5/2024</a:t>
+              <a:t>2/13/2024</a:t>
             </a:fld>
             <a:endParaRPr lang="en-US"/>
           </a:p>
@@ -2222,7 +2227,7 @@
           <a:p>
             <a:fld id="{803A6DAB-104D-4A34-92C1-982EC081E5FE}" type="datetimeFigureOut">
               <a:rPr lang="en-US" smtClean="0"/>
-              <a:t>2/5/2024</a:t>
+              <a:t>2/13/2024</a:t>
             </a:fld>
             <a:endParaRPr lang="en-US"/>
           </a:p>
@@ -2430,7 +2435,7 @@
           <a:p>
             <a:fld id="{803A6DAB-104D-4A34-92C1-982EC081E5FE}" type="datetimeFigureOut">
               <a:rPr lang="en-US" smtClean="0"/>
-              <a:t>2/5/2024</a:t>
+              <a:t>2/13/2024</a:t>
             </a:fld>
             <a:endParaRPr lang="en-US"/>
           </a:p>
@@ -2628,7 +2633,7 @@
           <a:p>
             <a:fld id="{803A6DAB-104D-4A34-92C1-982EC081E5FE}" type="datetimeFigureOut">
               <a:rPr lang="en-US" smtClean="0"/>
-              <a:t>2/5/2024</a:t>
+              <a:t>2/13/2024</a:t>
             </a:fld>
             <a:endParaRPr lang="en-US"/>
           </a:p>
@@ -2903,7 +2908,7 @@
           <a:p>
             <a:fld id="{803A6DAB-104D-4A34-92C1-982EC081E5FE}" type="datetimeFigureOut">
               <a:rPr lang="en-US" smtClean="0"/>
-              <a:t>2/5/2024</a:t>
+              <a:t>2/13/2024</a:t>
             </a:fld>
             <a:endParaRPr lang="en-US"/>
           </a:p>
@@ -3168,7 +3173,7 @@
           <a:p>
             <a:fld id="{803A6DAB-104D-4A34-92C1-982EC081E5FE}" type="datetimeFigureOut">
               <a:rPr lang="en-US" smtClean="0"/>
-              <a:t>2/5/2024</a:t>
+              <a:t>2/13/2024</a:t>
             </a:fld>
             <a:endParaRPr lang="en-US"/>
           </a:p>
@@ -3580,7 +3585,7 @@
           <a:p>
             <a:fld id="{803A6DAB-104D-4A34-92C1-982EC081E5FE}" type="datetimeFigureOut">
               <a:rPr lang="en-US" smtClean="0"/>
-              <a:t>2/5/2024</a:t>
+              <a:t>2/13/2024</a:t>
             </a:fld>
             <a:endParaRPr lang="en-US"/>
           </a:p>
@@ -3721,7 +3726,7 @@
           <a:p>
             <a:fld id="{803A6DAB-104D-4A34-92C1-982EC081E5FE}" type="datetimeFigureOut">
               <a:rPr lang="en-US" smtClean="0"/>
-              <a:t>2/5/2024</a:t>
+              <a:t>2/13/2024</a:t>
             </a:fld>
             <a:endParaRPr lang="en-US"/>
           </a:p>
@@ -3834,7 +3839,7 @@
           <a:p>
             <a:fld id="{803A6DAB-104D-4A34-92C1-982EC081E5FE}" type="datetimeFigureOut">
               <a:rPr lang="en-US" smtClean="0"/>
-              <a:t>2/5/2024</a:t>
+              <a:t>2/13/2024</a:t>
             </a:fld>
             <a:endParaRPr lang="en-US"/>
           </a:p>
@@ -4145,7 +4150,7 @@
           <a:p>
             <a:fld id="{803A6DAB-104D-4A34-92C1-982EC081E5FE}" type="datetimeFigureOut">
               <a:rPr lang="en-US" smtClean="0"/>
-              <a:t>2/5/2024</a:t>
+              <a:t>2/13/2024</a:t>
             </a:fld>
             <a:endParaRPr lang="en-US"/>
           </a:p>
@@ -4433,7 +4438,7 @@
           <a:p>
             <a:fld id="{803A6DAB-104D-4A34-92C1-982EC081E5FE}" type="datetimeFigureOut">
               <a:rPr lang="en-US" smtClean="0"/>
-              <a:t>2/5/2024</a:t>
+              <a:t>2/13/2024</a:t>
             </a:fld>
             <a:endParaRPr lang="en-US"/>
           </a:p>
@@ -4674,7 +4679,7 @@
           <a:p>
             <a:fld id="{803A6DAB-104D-4A34-92C1-982EC081E5FE}" type="datetimeFigureOut">
               <a:rPr lang="en-US" smtClean="0"/>
-              <a:t>2/5/2024</a:t>
+              <a:t>2/13/2024</a:t>
             </a:fld>
             <a:endParaRPr lang="en-US"/>
           </a:p>
@@ -8502,7 +8507,7 @@
           <p:nvPr>
             <p:extLst>
               <p:ext uri="{D42A27DB-BD31-4B8C-83A1-F6EECF244321}">
-                <p14:modId xmlns:p14="http://schemas.microsoft.com/office/powerpoint/2010/main" val="2567534188"/>
+                <p14:modId xmlns:p14="http://schemas.microsoft.com/office/powerpoint/2010/main" val="3162455994"/>
               </p:ext>
             </p:extLst>
           </p:nvPr>

--- a/reporting/GMS GitHub Modeling Summary Layouts.pptx
+++ b/reporting/GMS GitHub Modeling Summary Layouts.pptx
@@ -218,7 +218,7 @@
           <a:p>
             <a:fld id="{30EC18F4-5B17-40DF-9DE1-871691755494}" type="datetimeFigureOut">
               <a:rPr lang="en-US" smtClean="0"/>
-              <a:t>2/13/2024</a:t>
+              <a:t>2/18/2024</a:t>
             </a:fld>
             <a:endParaRPr lang="en-US"/>
           </a:p>
@@ -2029,7 +2029,7 @@
           <a:p>
             <a:fld id="{803A6DAB-104D-4A34-92C1-982EC081E5FE}" type="datetimeFigureOut">
               <a:rPr lang="en-US" smtClean="0"/>
-              <a:t>2/13/2024</a:t>
+              <a:t>2/18/2024</a:t>
             </a:fld>
             <a:endParaRPr lang="en-US"/>
           </a:p>
@@ -2227,7 +2227,7 @@
           <a:p>
             <a:fld id="{803A6DAB-104D-4A34-92C1-982EC081E5FE}" type="datetimeFigureOut">
               <a:rPr lang="en-US" smtClean="0"/>
-              <a:t>2/13/2024</a:t>
+              <a:t>2/18/2024</a:t>
             </a:fld>
             <a:endParaRPr lang="en-US"/>
           </a:p>
@@ -2435,7 +2435,7 @@
           <a:p>
             <a:fld id="{803A6DAB-104D-4A34-92C1-982EC081E5FE}" type="datetimeFigureOut">
               <a:rPr lang="en-US" smtClean="0"/>
-              <a:t>2/13/2024</a:t>
+              <a:t>2/18/2024</a:t>
             </a:fld>
             <a:endParaRPr lang="en-US"/>
           </a:p>
@@ -2633,7 +2633,7 @@
           <a:p>
             <a:fld id="{803A6DAB-104D-4A34-92C1-982EC081E5FE}" type="datetimeFigureOut">
               <a:rPr lang="en-US" smtClean="0"/>
-              <a:t>2/13/2024</a:t>
+              <a:t>2/18/2024</a:t>
             </a:fld>
             <a:endParaRPr lang="en-US"/>
           </a:p>
@@ -2908,7 +2908,7 @@
           <a:p>
             <a:fld id="{803A6DAB-104D-4A34-92C1-982EC081E5FE}" type="datetimeFigureOut">
               <a:rPr lang="en-US" smtClean="0"/>
-              <a:t>2/13/2024</a:t>
+              <a:t>2/18/2024</a:t>
             </a:fld>
             <a:endParaRPr lang="en-US"/>
           </a:p>
@@ -3173,7 +3173,7 @@
           <a:p>
             <a:fld id="{803A6DAB-104D-4A34-92C1-982EC081E5FE}" type="datetimeFigureOut">
               <a:rPr lang="en-US" smtClean="0"/>
-              <a:t>2/13/2024</a:t>
+              <a:t>2/18/2024</a:t>
             </a:fld>
             <a:endParaRPr lang="en-US"/>
           </a:p>
@@ -3585,7 +3585,7 @@
           <a:p>
             <a:fld id="{803A6DAB-104D-4A34-92C1-982EC081E5FE}" type="datetimeFigureOut">
               <a:rPr lang="en-US" smtClean="0"/>
-              <a:t>2/13/2024</a:t>
+              <a:t>2/18/2024</a:t>
             </a:fld>
             <a:endParaRPr lang="en-US"/>
           </a:p>
@@ -3726,7 +3726,7 @@
           <a:p>
             <a:fld id="{803A6DAB-104D-4A34-92C1-982EC081E5FE}" type="datetimeFigureOut">
               <a:rPr lang="en-US" smtClean="0"/>
-              <a:t>2/13/2024</a:t>
+              <a:t>2/18/2024</a:t>
             </a:fld>
             <a:endParaRPr lang="en-US"/>
           </a:p>
@@ -3839,7 +3839,7 @@
           <a:p>
             <a:fld id="{803A6DAB-104D-4A34-92C1-982EC081E5FE}" type="datetimeFigureOut">
               <a:rPr lang="en-US" smtClean="0"/>
-              <a:t>2/13/2024</a:t>
+              <a:t>2/18/2024</a:t>
             </a:fld>
             <a:endParaRPr lang="en-US"/>
           </a:p>
@@ -4150,7 +4150,7 @@
           <a:p>
             <a:fld id="{803A6DAB-104D-4A34-92C1-982EC081E5FE}" type="datetimeFigureOut">
               <a:rPr lang="en-US" smtClean="0"/>
-              <a:t>2/13/2024</a:t>
+              <a:t>2/18/2024</a:t>
             </a:fld>
             <a:endParaRPr lang="en-US"/>
           </a:p>
@@ -4438,7 +4438,7 @@
           <a:p>
             <a:fld id="{803A6DAB-104D-4A34-92C1-982EC081E5FE}" type="datetimeFigureOut">
               <a:rPr lang="en-US" smtClean="0"/>
-              <a:t>2/13/2024</a:t>
+              <a:t>2/18/2024</a:t>
             </a:fld>
             <a:endParaRPr lang="en-US"/>
           </a:p>
@@ -4679,7 +4679,7 @@
           <a:p>
             <a:fld id="{803A6DAB-104D-4A34-92C1-982EC081E5FE}" type="datetimeFigureOut">
               <a:rPr lang="en-US" smtClean="0"/>
-              <a:t>2/13/2024</a:t>
+              <a:t>2/18/2024</a:t>
             </a:fld>
             <a:endParaRPr lang="en-US"/>
           </a:p>
@@ -5534,10 +5534,10 @@
       </p:sp>
       <p:pic>
         <p:nvPicPr>
-          <p:cNvPr id="36" name="Picture 35">
+          <p:cNvPr id="3" name="Picture 2">
             <a:extLst>
               <a:ext uri="{FF2B5EF4-FFF2-40B4-BE49-F238E27FC236}">
-                <a16:creationId xmlns:a16="http://schemas.microsoft.com/office/drawing/2014/main" id="{7201DC61-4DCC-982C-9FA5-226E3EA4FE68}"/>
+                <a16:creationId xmlns:a16="http://schemas.microsoft.com/office/drawing/2014/main" id="{55B3025C-89FA-D28A-AD66-36E669BFA8EF}"/>
               </a:ext>
             </a:extLst>
           </p:cNvPr>
@@ -5554,7 +5554,7 @@
         </p:blipFill>
         <p:spPr>
           <a:xfrm>
-            <a:off x="48640" y="1068122"/>
+            <a:off x="55416" y="1135975"/>
             <a:ext cx="6316003" cy="5383235"/>
           </a:xfrm>
           <a:prstGeom prst="rect">
@@ -22655,7 +22655,7 @@
                   <a:pPr algn="ctr"/>
                   <a:r>
                     <a:rPr lang="en-US" sz="1600" dirty="0"/>
-                    <a:t>(TARGET FEATURE: % TOTAL POINTS PLAYED WON PER PLAYER)</a:t>
+                    <a:t>(TARGET FEATURE: GMS RAW SOLVE TIME)</a:t>
                   </a:r>
                 </a:p>
               </p:txBody>

--- a/reporting/GMS GitHub Modeling Summary Layouts.pptx
+++ b/reporting/GMS GitHub Modeling Summary Layouts.pptx
@@ -11,7 +11,7 @@
     <p:sldId id="294" r:id="rId2"/>
     <p:sldId id="256" r:id="rId3"/>
     <p:sldId id="257" r:id="rId4"/>
-    <p:sldId id="260" r:id="rId5"/>
+    <p:sldId id="306" r:id="rId5"/>
     <p:sldId id="258" r:id="rId6"/>
     <p:sldId id="288" r:id="rId7"/>
     <p:sldId id="259" r:id="rId8"/>
@@ -218,7 +218,7 @@
           <a:p>
             <a:fld id="{30EC18F4-5B17-40DF-9DE1-871691755494}" type="datetimeFigureOut">
               <a:rPr lang="en-US" smtClean="0"/>
-              <a:t>2/18/2024</a:t>
+              <a:t>2/19/2024</a:t>
             </a:fld>
             <a:endParaRPr lang="en-US"/>
           </a:p>
@@ -2029,7 +2029,7 @@
           <a:p>
             <a:fld id="{803A6DAB-104D-4A34-92C1-982EC081E5FE}" type="datetimeFigureOut">
               <a:rPr lang="en-US" smtClean="0"/>
-              <a:t>2/18/2024</a:t>
+              <a:t>2/19/2024</a:t>
             </a:fld>
             <a:endParaRPr lang="en-US"/>
           </a:p>
@@ -2227,7 +2227,7 @@
           <a:p>
             <a:fld id="{803A6DAB-104D-4A34-92C1-982EC081E5FE}" type="datetimeFigureOut">
               <a:rPr lang="en-US" smtClean="0"/>
-              <a:t>2/18/2024</a:t>
+              <a:t>2/19/2024</a:t>
             </a:fld>
             <a:endParaRPr lang="en-US"/>
           </a:p>
@@ -2435,7 +2435,7 @@
           <a:p>
             <a:fld id="{803A6DAB-104D-4A34-92C1-982EC081E5FE}" type="datetimeFigureOut">
               <a:rPr lang="en-US" smtClean="0"/>
-              <a:t>2/18/2024</a:t>
+              <a:t>2/19/2024</a:t>
             </a:fld>
             <a:endParaRPr lang="en-US"/>
           </a:p>
@@ -2633,7 +2633,7 @@
           <a:p>
             <a:fld id="{803A6DAB-104D-4A34-92C1-982EC081E5FE}" type="datetimeFigureOut">
               <a:rPr lang="en-US" smtClean="0"/>
-              <a:t>2/18/2024</a:t>
+              <a:t>2/19/2024</a:t>
             </a:fld>
             <a:endParaRPr lang="en-US"/>
           </a:p>
@@ -2908,7 +2908,7 @@
           <a:p>
             <a:fld id="{803A6DAB-104D-4A34-92C1-982EC081E5FE}" type="datetimeFigureOut">
               <a:rPr lang="en-US" smtClean="0"/>
-              <a:t>2/18/2024</a:t>
+              <a:t>2/19/2024</a:t>
             </a:fld>
             <a:endParaRPr lang="en-US"/>
           </a:p>
@@ -3173,7 +3173,7 @@
           <a:p>
             <a:fld id="{803A6DAB-104D-4A34-92C1-982EC081E5FE}" type="datetimeFigureOut">
               <a:rPr lang="en-US" smtClean="0"/>
-              <a:t>2/18/2024</a:t>
+              <a:t>2/19/2024</a:t>
             </a:fld>
             <a:endParaRPr lang="en-US"/>
           </a:p>
@@ -3585,7 +3585,7 @@
           <a:p>
             <a:fld id="{803A6DAB-104D-4A34-92C1-982EC081E5FE}" type="datetimeFigureOut">
               <a:rPr lang="en-US" smtClean="0"/>
-              <a:t>2/18/2024</a:t>
+              <a:t>2/19/2024</a:t>
             </a:fld>
             <a:endParaRPr lang="en-US"/>
           </a:p>
@@ -3726,7 +3726,7 @@
           <a:p>
             <a:fld id="{803A6DAB-104D-4A34-92C1-982EC081E5FE}" type="datetimeFigureOut">
               <a:rPr lang="en-US" smtClean="0"/>
-              <a:t>2/18/2024</a:t>
+              <a:t>2/19/2024</a:t>
             </a:fld>
             <a:endParaRPr lang="en-US"/>
           </a:p>
@@ -3839,7 +3839,7 @@
           <a:p>
             <a:fld id="{803A6DAB-104D-4A34-92C1-982EC081E5FE}" type="datetimeFigureOut">
               <a:rPr lang="en-US" smtClean="0"/>
-              <a:t>2/18/2024</a:t>
+              <a:t>2/19/2024</a:t>
             </a:fld>
             <a:endParaRPr lang="en-US"/>
           </a:p>
@@ -4150,7 +4150,7 @@
           <a:p>
             <a:fld id="{803A6DAB-104D-4A34-92C1-982EC081E5FE}" type="datetimeFigureOut">
               <a:rPr lang="en-US" smtClean="0"/>
-              <a:t>2/18/2024</a:t>
+              <a:t>2/19/2024</a:t>
             </a:fld>
             <a:endParaRPr lang="en-US"/>
           </a:p>
@@ -4438,7 +4438,7 @@
           <a:p>
             <a:fld id="{803A6DAB-104D-4A34-92C1-982EC081E5FE}" type="datetimeFigureOut">
               <a:rPr lang="en-US" smtClean="0"/>
-              <a:t>2/18/2024</a:t>
+              <a:t>2/19/2024</a:t>
             </a:fld>
             <a:endParaRPr lang="en-US"/>
           </a:p>
@@ -4679,7 +4679,7 @@
           <a:p>
             <a:fld id="{803A6DAB-104D-4A34-92C1-982EC081E5FE}" type="datetimeFigureOut">
               <a:rPr lang="en-US" smtClean="0"/>
-              <a:t>2/18/2024</a:t>
+              <a:t>2/19/2024</a:t>
             </a:fld>
             <a:endParaRPr lang="en-US"/>
           </a:p>
@@ -6923,7 +6923,7 @@
         </p:nvSpPr>
         <p:spPr>
           <a:xfrm>
-            <a:off x="1186778" y="5593400"/>
+            <a:off x="1186778" y="5379391"/>
             <a:ext cx="1318453" cy="292388"/>
           </a:xfrm>
           <a:prstGeom prst="rect">
@@ -6959,7 +6959,7 @@
         </p:nvSpPr>
         <p:spPr>
           <a:xfrm>
-            <a:off x="4422602" y="6260944"/>
+            <a:off x="4422602" y="6465230"/>
             <a:ext cx="4805963" cy="369332"/>
           </a:xfrm>
           <a:prstGeom prst="rect">
@@ -6994,7 +6994,7 @@
         </p:nvSpPr>
         <p:spPr>
           <a:xfrm>
-            <a:off x="2952707" y="5593400"/>
+            <a:off x="2952707" y="5379391"/>
             <a:ext cx="1318453" cy="692497"/>
           </a:xfrm>
           <a:prstGeom prst="rect">
@@ -7034,7 +7034,7 @@
         </p:nvSpPr>
         <p:spPr>
           <a:xfrm>
-            <a:off x="6460993" y="5593400"/>
+            <a:off x="6460993" y="5379391"/>
             <a:ext cx="1467240" cy="692497"/>
           </a:xfrm>
           <a:prstGeom prst="rect">
@@ -7070,7 +7070,7 @@
         </p:nvSpPr>
         <p:spPr>
           <a:xfrm>
-            <a:off x="8288156" y="5593400"/>
+            <a:off x="8288156" y="5379391"/>
             <a:ext cx="1318453" cy="692497"/>
           </a:xfrm>
           <a:prstGeom prst="rect">
@@ -7113,7 +7113,7 @@
         </p:nvSpPr>
         <p:spPr>
           <a:xfrm>
-            <a:off x="10062571" y="5593400"/>
+            <a:off x="10062571" y="5379391"/>
             <a:ext cx="1318453" cy="692497"/>
           </a:xfrm>
           <a:prstGeom prst="rect">
@@ -7149,7 +7149,7 @@
         </p:nvSpPr>
         <p:spPr>
           <a:xfrm>
-            <a:off x="595447" y="839030"/>
+            <a:off x="595447" y="625021"/>
             <a:ext cx="380232" cy="276999"/>
           </a:xfrm>
           <a:prstGeom prst="rect">
@@ -7184,7 +7184,7 @@
         </p:nvSpPr>
         <p:spPr>
           <a:xfrm>
-            <a:off x="595447" y="1663037"/>
+            <a:off x="595447" y="1449028"/>
             <a:ext cx="380232" cy="276999"/>
           </a:xfrm>
           <a:prstGeom prst="rect">
@@ -7219,7 +7219,7 @@
         </p:nvSpPr>
         <p:spPr>
           <a:xfrm>
-            <a:off x="595447" y="2493491"/>
+            <a:off x="595447" y="2279482"/>
             <a:ext cx="380232" cy="276999"/>
           </a:xfrm>
           <a:prstGeom prst="rect">
@@ -7254,7 +7254,7 @@
         </p:nvSpPr>
         <p:spPr>
           <a:xfrm>
-            <a:off x="595447" y="3334020"/>
+            <a:off x="595447" y="3120011"/>
             <a:ext cx="380232" cy="276999"/>
           </a:xfrm>
           <a:prstGeom prst="rect">
@@ -7289,7 +7289,7 @@
         </p:nvSpPr>
         <p:spPr>
           <a:xfrm>
-            <a:off x="595447" y="4147952"/>
+            <a:off x="595447" y="3933943"/>
             <a:ext cx="380232" cy="276999"/>
           </a:xfrm>
           <a:prstGeom prst="rect">
@@ -7324,7 +7324,7 @@
         </p:nvSpPr>
         <p:spPr>
           <a:xfrm>
-            <a:off x="595447" y="4986459"/>
+            <a:off x="595447" y="4772450"/>
             <a:ext cx="380232" cy="276999"/>
           </a:xfrm>
           <a:prstGeom prst="rect">
@@ -7372,7 +7372,7 @@
         </p:blipFill>
         <p:spPr bwMode="auto">
           <a:xfrm>
-            <a:off x="910722" y="302871"/>
+            <a:off x="910722" y="88862"/>
             <a:ext cx="10763655" cy="5290529"/>
           </a:xfrm>
           <a:prstGeom prst="rect">
@@ -7404,7 +7404,7 @@
         </p:nvSpPr>
         <p:spPr>
           <a:xfrm rot="16200000">
-            <a:off x="-1190482" y="2839114"/>
+            <a:off x="-1190482" y="2625105"/>
             <a:ext cx="3225948" cy="369332"/>
           </a:xfrm>
           <a:prstGeom prst="rect">
@@ -7439,7 +7439,7 @@
         </p:nvSpPr>
         <p:spPr>
           <a:xfrm>
-            <a:off x="4695064" y="5593400"/>
+            <a:off x="4695064" y="5379391"/>
             <a:ext cx="1467240" cy="492443"/>
           </a:xfrm>
           <a:prstGeom prst="rect">
@@ -7457,6 +7457,152 @@
             <a:r>
               <a:rPr lang="en-US" sz="1300" dirty="0"/>
               <a:t>Past Performance vs Constructor(s)</a:t>
+            </a:r>
+          </a:p>
+        </p:txBody>
+      </p:sp>
+      <p:sp>
+        <p:nvSpPr>
+          <p:cNvPr id="5" name="TextBox 4">
+            <a:extLst>
+              <a:ext uri="{FF2B5EF4-FFF2-40B4-BE49-F238E27FC236}">
+                <a16:creationId xmlns:a16="http://schemas.microsoft.com/office/drawing/2014/main" id="{C055F874-E66C-DAC6-AF02-D3DABA5C8556}"/>
+              </a:ext>
+            </a:extLst>
+          </p:cNvPr>
+          <p:cNvSpPr txBox="1"/>
+          <p:nvPr/>
+        </p:nvSpPr>
+        <p:spPr>
+          <a:xfrm>
+            <a:off x="4539419" y="6011813"/>
+            <a:ext cx="1765929" cy="261610"/>
+          </a:xfrm>
+          <a:prstGeom prst="rect">
+            <a:avLst/>
+          </a:prstGeom>
+          <a:noFill/>
+        </p:spPr>
+        <p:txBody>
+          <a:bodyPr wrap="square">
+            <a:spAutoFit/>
+          </a:bodyPr>
+          <a:lstStyle/>
+          <a:p>
+            <a:r>
+              <a:rPr lang="en-US" sz="1100" i="1" dirty="0"/>
+              <a:t>(‘GMS Past Perf vs Constr’)</a:t>
+            </a:r>
+          </a:p>
+        </p:txBody>
+      </p:sp>
+      <p:sp>
+        <p:nvSpPr>
+          <p:cNvPr id="9" name="TextBox 8">
+            <a:extLst>
+              <a:ext uri="{FF2B5EF4-FFF2-40B4-BE49-F238E27FC236}">
+                <a16:creationId xmlns:a16="http://schemas.microsoft.com/office/drawing/2014/main" id="{A517C609-1274-23C9-1BDB-7E976D5A94F1}"/>
+              </a:ext>
+            </a:extLst>
+          </p:cNvPr>
+          <p:cNvSpPr txBox="1"/>
+          <p:nvPr/>
+        </p:nvSpPr>
+        <p:spPr>
+          <a:xfrm>
+            <a:off x="6621667" y="6011813"/>
+            <a:ext cx="1159292" cy="261610"/>
+          </a:xfrm>
+          <a:prstGeom prst="rect">
+            <a:avLst/>
+          </a:prstGeom>
+          <a:noFill/>
+        </p:spPr>
+        <p:txBody>
+          <a:bodyPr wrap="none" rtlCol="0">
+            <a:spAutoFit/>
+          </a:bodyPr>
+          <a:lstStyle/>
+          <a:p>
+            <a:r>
+              <a:rPr lang="en-US" sz="1100" i="1" dirty="0"/>
+              <a:t>(‘GMS_RPB_l40’)</a:t>
+            </a:r>
+          </a:p>
+        </p:txBody>
+      </p:sp>
+      <p:sp>
+        <p:nvSpPr>
+          <p:cNvPr id="16" name="TextBox 15">
+            <a:extLst>
+              <a:ext uri="{FF2B5EF4-FFF2-40B4-BE49-F238E27FC236}">
+                <a16:creationId xmlns:a16="http://schemas.microsoft.com/office/drawing/2014/main" id="{76595BD5-0DA5-38E1-13C0-4343BB1E9E56}"/>
+              </a:ext>
+            </a:extLst>
+          </p:cNvPr>
+          <p:cNvSpPr txBox="1"/>
+          <p:nvPr/>
+        </p:nvSpPr>
+        <p:spPr>
+          <a:xfrm>
+            <a:off x="8262340" y="6011813"/>
+            <a:ext cx="1436408" cy="430887"/>
+          </a:xfrm>
+          <a:prstGeom prst="rect">
+            <a:avLst/>
+          </a:prstGeom>
+          <a:noFill/>
+        </p:spPr>
+        <p:txBody>
+          <a:bodyPr wrap="square">
+            <a:spAutoFit/>
+          </a:bodyPr>
+          <a:lstStyle/>
+          <a:p>
+            <a:r>
+              <a:rPr lang="en-US" sz="1100" i="1" dirty="0"/>
+              <a:t>(‘Prior Solves # - DS’)</a:t>
+            </a:r>
+          </a:p>
+          <a:p>
+            <a:r>
+              <a:rPr lang="en-US" sz="1100" i="1" dirty="0"/>
+              <a:t>(‘Prior Solves # -NDS’)</a:t>
+            </a:r>
+          </a:p>
+        </p:txBody>
+      </p:sp>
+      <p:sp>
+        <p:nvSpPr>
+          <p:cNvPr id="19" name="TextBox 18">
+            <a:extLst>
+              <a:ext uri="{FF2B5EF4-FFF2-40B4-BE49-F238E27FC236}">
+                <a16:creationId xmlns:a16="http://schemas.microsoft.com/office/drawing/2014/main" id="{6F128C21-8125-197B-E0C3-576EEDC1BB13}"/>
+              </a:ext>
+            </a:extLst>
+          </p:cNvPr>
+          <p:cNvSpPr txBox="1"/>
+          <p:nvPr/>
+        </p:nvSpPr>
+        <p:spPr>
+          <a:xfrm>
+            <a:off x="10102308" y="6011813"/>
+            <a:ext cx="1358064" cy="261610"/>
+          </a:xfrm>
+          <a:prstGeom prst="rect">
+            <a:avLst/>
+          </a:prstGeom>
+          <a:noFill/>
+        </p:spPr>
+        <p:txBody>
+          <a:bodyPr wrap="none" rtlCol="0">
+            <a:spAutoFit/>
+          </a:bodyPr>
+          <a:lstStyle/>
+          <a:p>
+            <a:r>
+              <a:rPr lang="en-US" sz="1100" i="1" dirty="0"/>
+              <a:t>(‘IS_RPB_l40_stdev’)</a:t>
             </a:r>
           </a:p>
         </p:txBody>
@@ -7737,16 +7883,15 @@
           </p:cNvPicPr>
           <p:nvPr/>
         </p:nvPicPr>
-        <p:blipFill>
+        <p:blipFill rotWithShape="1">
           <a:blip r:embed="rId3"/>
-          <a:stretch>
-            <a:fillRect/>
-          </a:stretch>
+          <a:srcRect b="6603"/>
+          <a:stretch/>
         </p:blipFill>
         <p:spPr>
           <a:xfrm>
             <a:off x="7349609" y="1271208"/>
-            <a:ext cx="3051069" cy="3565372"/>
+            <a:ext cx="3051069" cy="3329975"/>
           </a:xfrm>
           <a:prstGeom prst="rect">
             <a:avLst/>
@@ -7755,10 +7900,10 @@
       </p:pic>
       <p:pic>
         <p:nvPicPr>
-          <p:cNvPr id="12" name="Picture 11">
+          <p:cNvPr id="3" name="Picture 2">
             <a:extLst>
               <a:ext uri="{FF2B5EF4-FFF2-40B4-BE49-F238E27FC236}">
-                <a16:creationId xmlns:a16="http://schemas.microsoft.com/office/drawing/2014/main" id="{532EF347-9E0B-2469-1D9F-7511C67D99DA}"/>
+                <a16:creationId xmlns:a16="http://schemas.microsoft.com/office/drawing/2014/main" id="{530053FB-251C-0396-120B-D49EDA3D10F4}"/>
               </a:ext>
             </a:extLst>
           </p:cNvPr>
@@ -7775,8 +7920,37 @@
         </p:blipFill>
         <p:spPr>
           <a:xfrm>
-            <a:off x="779140" y="1222459"/>
-            <a:ext cx="6525345" cy="3657729"/>
+            <a:off x="878267" y="1271208"/>
+            <a:ext cx="6412974" cy="3816358"/>
+          </a:xfrm>
+          <a:prstGeom prst="rect">
+            <a:avLst/>
+          </a:prstGeom>
+        </p:spPr>
+      </p:pic>
+      <p:pic>
+        <p:nvPicPr>
+          <p:cNvPr id="4" name="Picture 3">
+            <a:extLst>
+              <a:ext uri="{FF2B5EF4-FFF2-40B4-BE49-F238E27FC236}">
+                <a16:creationId xmlns:a16="http://schemas.microsoft.com/office/drawing/2014/main" id="{AE09C34D-04C1-3234-68D4-B5768855CE2F}"/>
+              </a:ext>
+            </a:extLst>
+          </p:cNvPr>
+          <p:cNvPicPr>
+            <a:picLocks noChangeAspect="1"/>
+          </p:cNvPicPr>
+          <p:nvPr/>
+        </p:nvPicPr>
+        <p:blipFill rotWithShape="1">
+          <a:blip r:embed="rId3"/>
+          <a:srcRect t="92670"/>
+          <a:stretch/>
+        </p:blipFill>
+        <p:spPr>
+          <a:xfrm>
+            <a:off x="7404731" y="4904052"/>
+            <a:ext cx="3051069" cy="261338"/>
           </a:xfrm>
           <a:prstGeom prst="rect">
             <a:avLst/>
@@ -19183,47 +19357,31 @@
       </p:grpSpPr>
       <p:pic>
         <p:nvPicPr>
-          <p:cNvPr id="4098" name="Picture 2">
+          <p:cNvPr id="2" name="Picture 1">
             <a:extLst>
               <a:ext uri="{FF2B5EF4-FFF2-40B4-BE49-F238E27FC236}">
-                <a16:creationId xmlns:a16="http://schemas.microsoft.com/office/drawing/2014/main" id="{0515FE20-5079-E223-EF12-D2CE636E2F5D}"/>
+                <a16:creationId xmlns:a16="http://schemas.microsoft.com/office/drawing/2014/main" id="{0C61FEED-431C-B185-FDAE-CFC2F34D6AAF}"/>
               </a:ext>
             </a:extLst>
           </p:cNvPr>
           <p:cNvPicPr>
-            <a:picLocks noChangeAspect="1" noChangeArrowheads="1"/>
+            <a:picLocks noChangeAspect="1"/>
           </p:cNvPicPr>
           <p:nvPr/>
         </p:nvPicPr>
         <p:blipFill rotWithShape="1">
-          <a:blip r:embed="rId3">
-            <a:extLst>
-              <a:ext uri="{28A0092B-C50C-407E-A947-70E740481C1C}">
-                <a14:useLocalDpi xmlns:a14="http://schemas.microsoft.com/office/drawing/2010/main" val="0"/>
-              </a:ext>
-            </a:extLst>
-          </a:blip>
-          <a:srcRect t="8034" b="3030"/>
+          <a:blip r:embed="rId3"/>
+          <a:srcRect t="8181" b="3150"/>
           <a:stretch/>
         </p:blipFill>
-        <p:spPr bwMode="auto">
+        <p:spPr>
           <a:xfrm>
-            <a:off x="3529013" y="1634247"/>
-            <a:ext cx="5133975" cy="3803515"/>
+            <a:off x="3529015" y="1640550"/>
+            <a:ext cx="3850481" cy="2844097"/>
           </a:xfrm>
           <a:prstGeom prst="rect">
             <a:avLst/>
           </a:prstGeom>
-          <a:noFill/>
-          <a:extLst>
-            <a:ext uri="{909E8E84-426E-40DD-AFC4-6F175D3DCCD1}">
-              <a14:hiddenFill xmlns:a14="http://schemas.microsoft.com/office/drawing/2010/main">
-                <a:solidFill>
-                  <a:srgbClr val="FFFFFF"/>
-                </a:solidFill>
-              </a14:hiddenFill>
-            </a:ext>
-          </a:extLst>
         </p:spPr>
       </p:pic>
     </p:spTree>
@@ -21219,10 +21377,10 @@
       </p:grpSpPr>
       <p:pic>
         <p:nvPicPr>
-          <p:cNvPr id="4" name="Picture 2">
+          <p:cNvPr id="2" name="Picture 2">
             <a:extLst>
               <a:ext uri="{FF2B5EF4-FFF2-40B4-BE49-F238E27FC236}">
-                <a16:creationId xmlns:a16="http://schemas.microsoft.com/office/drawing/2014/main" id="{0EA97160-8E34-4197-209D-C615A81F4C4F}"/>
+                <a16:creationId xmlns:a16="http://schemas.microsoft.com/office/drawing/2014/main" id="{5BB34DE8-CFF4-7265-05C3-923408C4851D}"/>
               </a:ext>
             </a:extLst>
           </p:cNvPr>
@@ -21388,10 +21546,10 @@
       </p:pic>
       <p:pic>
         <p:nvPicPr>
-          <p:cNvPr id="17410" name="Picture 2">
+          <p:cNvPr id="2050" name="Picture 2">
             <a:extLst>
               <a:ext uri="{FF2B5EF4-FFF2-40B4-BE49-F238E27FC236}">
-                <a16:creationId xmlns:a16="http://schemas.microsoft.com/office/drawing/2014/main" id="{944F0526-FCA8-6B34-F583-5E64CDD7FEA0}"/>
+                <a16:creationId xmlns:a16="http://schemas.microsoft.com/office/drawing/2014/main" id="{571D16C4-A4F1-A4BE-EABF-58C0ABA00211}"/>
               </a:ext>
             </a:extLst>
           </p:cNvPr>
@@ -21415,7 +21573,7 @@
         </p:blipFill>
         <p:spPr bwMode="auto">
           <a:xfrm>
-            <a:off x="1684122" y="249345"/>
+            <a:off x="1688725" y="217395"/>
             <a:ext cx="8724900" cy="4038600"/>
           </a:xfrm>
           <a:prstGeom prst="rect">
@@ -21435,10 +21593,10 @@
       </p:pic>
       <p:pic>
         <p:nvPicPr>
-          <p:cNvPr id="5126" name="Picture 6">
+          <p:cNvPr id="2052" name="Picture 4">
             <a:extLst>
               <a:ext uri="{FF2B5EF4-FFF2-40B4-BE49-F238E27FC236}">
-                <a16:creationId xmlns:a16="http://schemas.microsoft.com/office/drawing/2014/main" id="{6892F7EF-213C-832F-ACF1-18EC91620A77}"/>
+                <a16:creationId xmlns:a16="http://schemas.microsoft.com/office/drawing/2014/main" id="{98B04700-0184-B39E-AFFF-125653604847}"/>
               </a:ext>
             </a:extLst>
           </p:cNvPr>
@@ -21481,7 +21639,7 @@
     </p:spTree>
     <p:extLst>
       <p:ext uri="{BB962C8B-B14F-4D97-AF65-F5344CB8AC3E}">
-        <p14:creationId xmlns:p14="http://schemas.microsoft.com/office/powerpoint/2010/main" val="3680559843"/>
+        <p14:creationId xmlns:p14="http://schemas.microsoft.com/office/powerpoint/2010/main" val="3723338006"/>
       </p:ext>
     </p:extLst>
   </p:cSld>
@@ -21510,10 +21668,10 @@
       </p:grpSpPr>
       <p:pic>
         <p:nvPicPr>
-          <p:cNvPr id="6146" name="Picture 2">
+          <p:cNvPr id="2" name="Picture 2">
             <a:extLst>
               <a:ext uri="{FF2B5EF4-FFF2-40B4-BE49-F238E27FC236}">
-                <a16:creationId xmlns:a16="http://schemas.microsoft.com/office/drawing/2014/main" id="{2F207E6A-E1DE-DA08-0677-6F21F49B3994}"/>
+                <a16:creationId xmlns:a16="http://schemas.microsoft.com/office/drawing/2014/main" id="{2E6E2E7B-901E-DED6-C820-2EB662BB7477}"/>
               </a:ext>
             </a:extLst>
           </p:cNvPr>
@@ -21585,66 +21743,6 @@
           <a:chExt cx="0" cy="0"/>
         </a:xfrm>
       </p:grpSpPr>
-      <p:pic>
-        <p:nvPicPr>
-          <p:cNvPr id="23" name="Picture 22">
-            <a:extLst>
-              <a:ext uri="{FF2B5EF4-FFF2-40B4-BE49-F238E27FC236}">
-                <a16:creationId xmlns:a16="http://schemas.microsoft.com/office/drawing/2014/main" id="{7C0A6A13-8EF5-FF9E-68C5-A2902A646A53}"/>
-              </a:ext>
-            </a:extLst>
-          </p:cNvPr>
-          <p:cNvPicPr>
-            <a:picLocks noChangeAspect="1"/>
-          </p:cNvPicPr>
-          <p:nvPr/>
-        </p:nvPicPr>
-        <p:blipFill>
-          <a:blip r:embed="rId3"/>
-          <a:stretch>
-            <a:fillRect/>
-          </a:stretch>
-        </p:blipFill>
-        <p:spPr>
-          <a:xfrm>
-            <a:off x="36860" y="556500"/>
-            <a:ext cx="5102794" cy="5450296"/>
-          </a:xfrm>
-          <a:prstGeom prst="rect">
-            <a:avLst/>
-          </a:prstGeom>
-        </p:spPr>
-      </p:pic>
-      <p:pic>
-        <p:nvPicPr>
-          <p:cNvPr id="27" name="Picture 26">
-            <a:extLst>
-              <a:ext uri="{FF2B5EF4-FFF2-40B4-BE49-F238E27FC236}">
-                <a16:creationId xmlns:a16="http://schemas.microsoft.com/office/drawing/2014/main" id="{37B7C90C-2A45-5675-8EDC-13B146F6BD88}"/>
-              </a:ext>
-            </a:extLst>
-          </p:cNvPr>
-          <p:cNvPicPr>
-            <a:picLocks noChangeAspect="1"/>
-          </p:cNvPicPr>
-          <p:nvPr/>
-        </p:nvPicPr>
-        <p:blipFill>
-          <a:blip r:embed="rId4"/>
-          <a:stretch>
-            <a:fillRect/>
-          </a:stretch>
-        </p:blipFill>
-        <p:spPr>
-          <a:xfrm>
-            <a:off x="5139654" y="81907"/>
-            <a:ext cx="6912854" cy="3560738"/>
-          </a:xfrm>
-          <a:prstGeom prst="rect">
-            <a:avLst/>
-          </a:prstGeom>
-        </p:spPr>
-      </p:pic>
       <p:sp>
         <p:nvSpPr>
           <p:cNvPr id="28" name="Rectangle 27">
@@ -21699,10 +21797,10 @@
       </p:sp>
       <p:pic>
         <p:nvPicPr>
-          <p:cNvPr id="30" name="Picture 29">
+          <p:cNvPr id="3" name="Picture 2">
             <a:extLst>
               <a:ext uri="{FF2B5EF4-FFF2-40B4-BE49-F238E27FC236}">
-                <a16:creationId xmlns:a16="http://schemas.microsoft.com/office/drawing/2014/main" id="{F354CA72-B0B5-BC86-3A26-C9F4468477EA}"/>
+                <a16:creationId xmlns:a16="http://schemas.microsoft.com/office/drawing/2014/main" id="{9CD79C79-05B4-8B60-F2E2-0AD872164FC6}"/>
               </a:ext>
             </a:extLst>
           </p:cNvPr>
@@ -21712,21 +21810,330 @@
           <p:nvPr/>
         </p:nvPicPr>
         <p:blipFill>
-          <a:blip r:embed="rId5"/>
+          <a:blip r:embed="rId3"/>
           <a:stretch>
             <a:fillRect/>
           </a:stretch>
         </p:blipFill>
         <p:spPr>
           <a:xfrm>
-            <a:off x="5145978" y="3678520"/>
-            <a:ext cx="6912854" cy="3560738"/>
+            <a:off x="65072" y="515016"/>
+            <a:ext cx="4087113" cy="4350482"/>
           </a:xfrm>
           <a:prstGeom prst="rect">
             <a:avLst/>
           </a:prstGeom>
         </p:spPr>
       </p:pic>
+      <p:pic>
+        <p:nvPicPr>
+          <p:cNvPr id="4" name="Picture 3">
+            <a:extLst>
+              <a:ext uri="{FF2B5EF4-FFF2-40B4-BE49-F238E27FC236}">
+                <a16:creationId xmlns:a16="http://schemas.microsoft.com/office/drawing/2014/main" id="{474C4180-70BD-794E-5BC7-537028D340F5}"/>
+              </a:ext>
+            </a:extLst>
+          </p:cNvPr>
+          <p:cNvPicPr>
+            <a:picLocks noChangeAspect="1"/>
+          </p:cNvPicPr>
+          <p:nvPr/>
+        </p:nvPicPr>
+        <p:blipFill>
+          <a:blip r:embed="rId4"/>
+          <a:stretch>
+            <a:fillRect/>
+          </a:stretch>
+        </p:blipFill>
+        <p:spPr>
+          <a:xfrm>
+            <a:off x="4074361" y="116181"/>
+            <a:ext cx="8059062" cy="2409958"/>
+          </a:xfrm>
+          <a:prstGeom prst="rect">
+            <a:avLst/>
+          </a:prstGeom>
+        </p:spPr>
+      </p:pic>
+      <p:pic>
+        <p:nvPicPr>
+          <p:cNvPr id="5" name="Picture 4">
+            <a:extLst>
+              <a:ext uri="{FF2B5EF4-FFF2-40B4-BE49-F238E27FC236}">
+                <a16:creationId xmlns:a16="http://schemas.microsoft.com/office/drawing/2014/main" id="{FE4FEC01-6838-68EC-0041-8C5FC331C055}"/>
+              </a:ext>
+            </a:extLst>
+          </p:cNvPr>
+          <p:cNvPicPr>
+            <a:picLocks noChangeAspect="1" noChangeArrowheads="1"/>
+          </p:cNvPicPr>
+          <p:nvPr/>
+        </p:nvPicPr>
+        <p:blipFill rotWithShape="1">
+          <a:blip r:embed="rId5">
+            <a:extLst>
+              <a:ext uri="{28A0092B-C50C-407E-A947-70E740481C1C}">
+                <a14:useLocalDpi xmlns:a14="http://schemas.microsoft.com/office/drawing/2010/main" val="0"/>
+              </a:ext>
+            </a:extLst>
+          </a:blip>
+          <a:srcRect r="16308"/>
+          <a:stretch/>
+        </p:blipFill>
+        <p:spPr bwMode="auto">
+          <a:xfrm>
+            <a:off x="5289841" y="5007207"/>
+            <a:ext cx="2706297" cy="1850793"/>
+          </a:xfrm>
+          <a:prstGeom prst="rect">
+            <a:avLst/>
+          </a:prstGeom>
+          <a:noFill/>
+          <a:extLst>
+            <a:ext uri="{909E8E84-426E-40DD-AFC4-6F175D3DCCD1}">
+              <a14:hiddenFill xmlns:a14="http://schemas.microsoft.com/office/drawing/2010/main">
+                <a:solidFill>
+                  <a:srgbClr val="FFFFFF"/>
+                </a:solidFill>
+              </a14:hiddenFill>
+            </a:ext>
+          </a:extLst>
+        </p:spPr>
+      </p:pic>
+      <p:pic>
+        <p:nvPicPr>
+          <p:cNvPr id="6" name="Picture 5">
+            <a:extLst>
+              <a:ext uri="{FF2B5EF4-FFF2-40B4-BE49-F238E27FC236}">
+                <a16:creationId xmlns:a16="http://schemas.microsoft.com/office/drawing/2014/main" id="{DAEC3E11-CCB3-5BE3-1404-CBA5EA9DEEF4}"/>
+              </a:ext>
+            </a:extLst>
+          </p:cNvPr>
+          <p:cNvPicPr>
+            <a:picLocks noChangeAspect="1"/>
+          </p:cNvPicPr>
+          <p:nvPr/>
+        </p:nvPicPr>
+        <p:blipFill>
+          <a:blip r:embed="rId6"/>
+          <a:stretch>
+            <a:fillRect/>
+          </a:stretch>
+        </p:blipFill>
+        <p:spPr>
+          <a:xfrm>
+            <a:off x="4104721" y="2561982"/>
+            <a:ext cx="8038639" cy="2405873"/>
+          </a:xfrm>
+          <a:prstGeom prst="rect">
+            <a:avLst/>
+          </a:prstGeom>
+        </p:spPr>
+      </p:pic>
+      <p:pic>
+        <p:nvPicPr>
+          <p:cNvPr id="7" name="Picture 6">
+            <a:extLst>
+              <a:ext uri="{FF2B5EF4-FFF2-40B4-BE49-F238E27FC236}">
+                <a16:creationId xmlns:a16="http://schemas.microsoft.com/office/drawing/2014/main" id="{D628FC50-D61A-5910-2DFD-55FB833DA166}"/>
+              </a:ext>
+            </a:extLst>
+          </p:cNvPr>
+          <p:cNvPicPr>
+            <a:picLocks noChangeAspect="1" noChangeArrowheads="1"/>
+          </p:cNvPicPr>
+          <p:nvPr/>
+        </p:nvPicPr>
+        <p:blipFill>
+          <a:blip r:embed="rId7">
+            <a:extLst>
+              <a:ext uri="{28A0092B-C50C-407E-A947-70E740481C1C}">
+                <a14:useLocalDpi xmlns:a14="http://schemas.microsoft.com/office/drawing/2010/main" val="0"/>
+              </a:ext>
+            </a:extLst>
+          </a:blip>
+          <a:srcRect/>
+          <a:stretch>
+            <a:fillRect/>
+          </a:stretch>
+        </p:blipFill>
+        <p:spPr bwMode="auto">
+          <a:xfrm>
+            <a:off x="8146823" y="5007207"/>
+            <a:ext cx="3317460" cy="1850793"/>
+          </a:xfrm>
+          <a:prstGeom prst="rect">
+            <a:avLst/>
+          </a:prstGeom>
+          <a:noFill/>
+          <a:extLst>
+            <a:ext uri="{909E8E84-426E-40DD-AFC4-6F175D3DCCD1}">
+              <a14:hiddenFill xmlns:a14="http://schemas.microsoft.com/office/drawing/2010/main">
+                <a:solidFill>
+                  <a:srgbClr val="FFFFFF"/>
+                </a:solidFill>
+              </a14:hiddenFill>
+            </a:ext>
+          </a:extLst>
+        </p:spPr>
+      </p:pic>
+      <p:sp>
+        <p:nvSpPr>
+          <p:cNvPr id="8" name="TextBox 7">
+            <a:extLst>
+              <a:ext uri="{FF2B5EF4-FFF2-40B4-BE49-F238E27FC236}">
+                <a16:creationId xmlns:a16="http://schemas.microsoft.com/office/drawing/2014/main" id="{7DC2D996-C4A5-00A1-213D-F51CA8446D60}"/>
+              </a:ext>
+            </a:extLst>
+          </p:cNvPr>
+          <p:cNvSpPr txBox="1"/>
+          <p:nvPr/>
+        </p:nvSpPr>
+        <p:spPr>
+          <a:xfrm>
+            <a:off x="79723" y="520490"/>
+            <a:ext cx="288862" cy="307777"/>
+          </a:xfrm>
+          <a:prstGeom prst="rect">
+            <a:avLst/>
+          </a:prstGeom>
+          <a:noFill/>
+        </p:spPr>
+        <p:txBody>
+          <a:bodyPr wrap="none" rtlCol="0">
+            <a:spAutoFit/>
+          </a:bodyPr>
+          <a:lstStyle/>
+          <a:p>
+            <a:r>
+              <a:rPr lang="en-US" sz="1400" dirty="0"/>
+              <a:t>A</a:t>
+            </a:r>
+          </a:p>
+        </p:txBody>
+      </p:sp>
+      <p:sp>
+        <p:nvSpPr>
+          <p:cNvPr id="9" name="TextBox 8">
+            <a:extLst>
+              <a:ext uri="{FF2B5EF4-FFF2-40B4-BE49-F238E27FC236}">
+                <a16:creationId xmlns:a16="http://schemas.microsoft.com/office/drawing/2014/main" id="{1D8D4C75-4535-9A7C-A000-59B78A939C4C}"/>
+              </a:ext>
+            </a:extLst>
+          </p:cNvPr>
+          <p:cNvSpPr txBox="1"/>
+          <p:nvPr/>
+        </p:nvSpPr>
+        <p:spPr>
+          <a:xfrm>
+            <a:off x="3922717" y="-12583"/>
+            <a:ext cx="282450" cy="307777"/>
+          </a:xfrm>
+          <a:prstGeom prst="rect">
+            <a:avLst/>
+          </a:prstGeom>
+          <a:noFill/>
+        </p:spPr>
+        <p:txBody>
+          <a:bodyPr wrap="none" rtlCol="0">
+            <a:spAutoFit/>
+          </a:bodyPr>
+          <a:lstStyle/>
+          <a:p>
+            <a:r>
+              <a:rPr lang="en-US" sz="1400" dirty="0"/>
+              <a:t>B</a:t>
+            </a:r>
+          </a:p>
+        </p:txBody>
+      </p:sp>
+      <p:sp>
+        <p:nvSpPr>
+          <p:cNvPr id="10" name="TextBox 9">
+            <a:extLst>
+              <a:ext uri="{FF2B5EF4-FFF2-40B4-BE49-F238E27FC236}">
+                <a16:creationId xmlns:a16="http://schemas.microsoft.com/office/drawing/2014/main" id="{951E49D4-410B-53A9-11B5-ABF28E350127}"/>
+              </a:ext>
+            </a:extLst>
+          </p:cNvPr>
+          <p:cNvSpPr txBox="1"/>
+          <p:nvPr/>
+        </p:nvSpPr>
+        <p:spPr>
+          <a:xfrm>
+            <a:off x="5167381" y="4948399"/>
+            <a:ext cx="280846" cy="307777"/>
+          </a:xfrm>
+          <a:prstGeom prst="rect">
+            <a:avLst/>
+          </a:prstGeom>
+          <a:noFill/>
+        </p:spPr>
+        <p:txBody>
+          <a:bodyPr wrap="none" rtlCol="0">
+            <a:spAutoFit/>
+          </a:bodyPr>
+          <a:lstStyle/>
+          <a:p>
+            <a:r>
+              <a:rPr lang="en-US" sz="1400" dirty="0"/>
+              <a:t>C</a:t>
+            </a:r>
+          </a:p>
+        </p:txBody>
+      </p:sp>
+      <p:sp>
+        <p:nvSpPr>
+          <p:cNvPr id="11" name="Rectangle 10">
+            <a:extLst>
+              <a:ext uri="{FF2B5EF4-FFF2-40B4-BE49-F238E27FC236}">
+                <a16:creationId xmlns:a16="http://schemas.microsoft.com/office/drawing/2014/main" id="{EABE66B6-C305-48AB-4A4E-FBD91EFD9848}"/>
+              </a:ext>
+            </a:extLst>
+          </p:cNvPr>
+          <p:cNvSpPr/>
+          <p:nvPr/>
+        </p:nvSpPr>
+        <p:spPr>
+          <a:xfrm>
+            <a:off x="7983069" y="5003502"/>
+            <a:ext cx="109963" cy="926332"/>
+          </a:xfrm>
+          <a:prstGeom prst="rect">
+            <a:avLst/>
+          </a:prstGeom>
+          <a:solidFill>
+            <a:schemeClr val="bg1"/>
+          </a:solidFill>
+          <a:ln>
+            <a:noFill/>
+          </a:ln>
+        </p:spPr>
+        <p:style>
+          <a:lnRef idx="2">
+            <a:schemeClr val="accent1">
+              <a:shade val="15000"/>
+            </a:schemeClr>
+          </a:lnRef>
+          <a:fillRef idx="1">
+            <a:schemeClr val="accent1"/>
+          </a:fillRef>
+          <a:effectRef idx="0">
+            <a:schemeClr val="accent1"/>
+          </a:effectRef>
+          <a:fontRef idx="minor">
+            <a:schemeClr val="lt1"/>
+          </a:fontRef>
+        </p:style>
+        <p:txBody>
+          <a:bodyPr rtlCol="0" anchor="ctr"/>
+          <a:lstStyle/>
+          <a:p>
+            <a:pPr algn="ctr"/>
+            <a:endParaRPr lang="en-US"/>
+          </a:p>
+        </p:txBody>
+      </p:sp>
     </p:spTree>
     <p:extLst>
       <p:ext uri="{BB962C8B-B14F-4D97-AF65-F5344CB8AC3E}">
